--- a/SARS-CoV-2_N-Cytokine_Docking.pptx
+++ b/SARS-CoV-2_N-Cytokine_Docking.pptx
@@ -105,6 +105,11 @@
       </a:defRPr>
     </a:lvl9pPr>
   </p:defaultTextStyle>
+  <p:extLst>
+    <p:ext uri="{EFAFB233-063F-42B5-8137-9DF3F51BA10A}">
+      <p15:sldGuideLst xmlns:p15="http://schemas.microsoft.com/office/powerpoint/2012/main"/>
+    </p:ext>
+  </p:extLst>
 </p:presentation>
 </file>
 
@@ -239,7 +244,7 @@
           <a:p>
             <a:fld id="{5F486C71-D61F-8A44-A20A-65491D36CE5E}" type="datetimeFigureOut">
               <a:rPr lang="en-US" smtClean="0"/>
-              <a:t>4/9/23</a:t>
+              <a:t>4/10/23</a:t>
             </a:fld>
             <a:endParaRPr lang="en-US"/>
           </a:p>
@@ -409,7 +414,7 @@
           <a:p>
             <a:fld id="{5F486C71-D61F-8A44-A20A-65491D36CE5E}" type="datetimeFigureOut">
               <a:rPr lang="en-US" smtClean="0"/>
-              <a:t>4/9/23</a:t>
+              <a:t>4/10/23</a:t>
             </a:fld>
             <a:endParaRPr lang="en-US"/>
           </a:p>
@@ -589,7 +594,7 @@
           <a:p>
             <a:fld id="{5F486C71-D61F-8A44-A20A-65491D36CE5E}" type="datetimeFigureOut">
               <a:rPr lang="en-US" smtClean="0"/>
-              <a:t>4/9/23</a:t>
+              <a:t>4/10/23</a:t>
             </a:fld>
             <a:endParaRPr lang="en-US"/>
           </a:p>
@@ -759,7 +764,7 @@
           <a:p>
             <a:fld id="{5F486C71-D61F-8A44-A20A-65491D36CE5E}" type="datetimeFigureOut">
               <a:rPr lang="en-US" smtClean="0"/>
-              <a:t>4/9/23</a:t>
+              <a:t>4/10/23</a:t>
             </a:fld>
             <a:endParaRPr lang="en-US"/>
           </a:p>
@@ -1005,7 +1010,7 @@
           <a:p>
             <a:fld id="{5F486C71-D61F-8A44-A20A-65491D36CE5E}" type="datetimeFigureOut">
               <a:rPr lang="en-US" smtClean="0"/>
-              <a:t>4/9/23</a:t>
+              <a:t>4/10/23</a:t>
             </a:fld>
             <a:endParaRPr lang="en-US"/>
           </a:p>
@@ -1237,7 +1242,7 @@
           <a:p>
             <a:fld id="{5F486C71-D61F-8A44-A20A-65491D36CE5E}" type="datetimeFigureOut">
               <a:rPr lang="en-US" smtClean="0"/>
-              <a:t>4/9/23</a:t>
+              <a:t>4/10/23</a:t>
             </a:fld>
             <a:endParaRPr lang="en-US"/>
           </a:p>
@@ -1604,7 +1609,7 @@
           <a:p>
             <a:fld id="{5F486C71-D61F-8A44-A20A-65491D36CE5E}" type="datetimeFigureOut">
               <a:rPr lang="en-US" smtClean="0"/>
-              <a:t>4/9/23</a:t>
+              <a:t>4/10/23</a:t>
             </a:fld>
             <a:endParaRPr lang="en-US"/>
           </a:p>
@@ -1722,7 +1727,7 @@
           <a:p>
             <a:fld id="{5F486C71-D61F-8A44-A20A-65491D36CE5E}" type="datetimeFigureOut">
               <a:rPr lang="en-US" smtClean="0"/>
-              <a:t>4/9/23</a:t>
+              <a:t>4/10/23</a:t>
             </a:fld>
             <a:endParaRPr lang="en-US"/>
           </a:p>
@@ -1817,7 +1822,7 @@
           <a:p>
             <a:fld id="{5F486C71-D61F-8A44-A20A-65491D36CE5E}" type="datetimeFigureOut">
               <a:rPr lang="en-US" smtClean="0"/>
-              <a:t>4/9/23</a:t>
+              <a:t>4/10/23</a:t>
             </a:fld>
             <a:endParaRPr lang="en-US"/>
           </a:p>
@@ -2094,7 +2099,7 @@
           <a:p>
             <a:fld id="{5F486C71-D61F-8A44-A20A-65491D36CE5E}" type="datetimeFigureOut">
               <a:rPr lang="en-US" smtClean="0"/>
-              <a:t>4/9/23</a:t>
+              <a:t>4/10/23</a:t>
             </a:fld>
             <a:endParaRPr lang="en-US"/>
           </a:p>
@@ -2351,7 +2356,7 @@
           <a:p>
             <a:fld id="{5F486C71-D61F-8A44-A20A-65491D36CE5E}" type="datetimeFigureOut">
               <a:rPr lang="en-US" smtClean="0"/>
-              <a:t>4/9/23</a:t>
+              <a:t>4/10/23</a:t>
             </a:fld>
             <a:endParaRPr lang="en-US"/>
           </a:p>
@@ -2564,7 +2569,7 @@
           <a:p>
             <a:fld id="{5F486C71-D61F-8A44-A20A-65491D36CE5E}" type="datetimeFigureOut">
               <a:rPr lang="en-US" smtClean="0"/>
-              <a:t>4/9/23</a:t>
+              <a:t>4/10/23</a:t>
             </a:fld>
             <a:endParaRPr lang="en-US"/>
           </a:p>
@@ -3028,7 +3033,10 @@
           <a:bodyPr/>
           <a:lstStyle/>
           <a:p>
-            <a:endParaRPr lang="en-US"/>
+            <a:r>
+              <a:rPr lang="en-US" dirty="0"/>
+              <a:t>Tuple &amp; MITLL</a:t>
+            </a:r>
           </a:p>
         </p:txBody>
       </p:sp>
